--- a/big-data-with-pyspark-and-aws-main/Code/8-Chatbots Development with Amazon Lex/8-Chatbots Development with Amazon Lex/Development/Chatbot.pptx
+++ b/big-data-with-pyspark-and-aws-main/Code/8-Chatbots Development with Amazon Lex/8-Chatbots Development with Amazon Lex/Development/Chatbot.pptx
@@ -121,6 +121,43 @@
     </p:ext>
   </p:extLst>
 </p:presentation>
+</file>
+
+<file path=ppt/changesInfos/changesInfo1.xml><?xml version="1.0" encoding="utf-8"?>
+<pc:chgInfo xmlns:a="http://schemas.openxmlformats.org/drawingml/2006/main" xmlns:r="http://schemas.openxmlformats.org/officeDocument/2006/relationships" xmlns:ac="http://schemas.microsoft.com/office/drawing/2013/main/command" xmlns:pc="http://schemas.microsoft.com/office/powerpoint/2013/main/command">
+  <pc:docChgLst>
+    <pc:chgData name="Aleem Rahil" userId="266faadd8e175fda" providerId="LiveId" clId="{286B21FF-9500-4345-847E-52598D0EC177}"/>
+    <pc:docChg chg="custSel modSld">
+      <pc:chgData name="Aleem Rahil" userId="266faadd8e175fda" providerId="LiveId" clId="{286B21FF-9500-4345-847E-52598D0EC177}" dt="2023-07-18T00:25:59.793" v="1" actId="478"/>
+      <pc:docMkLst>
+        <pc:docMk/>
+      </pc:docMkLst>
+      <pc:sldChg chg="delSp mod">
+        <pc:chgData name="Aleem Rahil" userId="266faadd8e175fda" providerId="LiveId" clId="{286B21FF-9500-4345-847E-52598D0EC177}" dt="2023-07-18T00:25:59.793" v="1" actId="478"/>
+        <pc:sldMkLst>
+          <pc:docMk/>
+          <pc:sldMk cId="1762975443" sldId="257"/>
+        </pc:sldMkLst>
+        <pc:spChg chg="del">
+          <ac:chgData name="Aleem Rahil" userId="266faadd8e175fda" providerId="LiveId" clId="{286B21FF-9500-4345-847E-52598D0EC177}" dt="2023-07-18T00:25:59.158" v="0" actId="478"/>
+          <ac:spMkLst>
+            <pc:docMk/>
+            <pc:sldMk cId="1762975443" sldId="257"/>
+            <ac:spMk id="4" creationId="{92C8302A-679C-6DBB-2936-52DC098124B4}"/>
+          </ac:spMkLst>
+        </pc:spChg>
+        <pc:spChg chg="del">
+          <ac:chgData name="Aleem Rahil" userId="266faadd8e175fda" providerId="LiveId" clId="{286B21FF-9500-4345-847E-52598D0EC177}" dt="2023-07-18T00:25:59.793" v="1" actId="478"/>
+          <ac:spMkLst>
+            <pc:docMk/>
+            <pc:sldMk cId="1762975443" sldId="257"/>
+            <ac:spMk id="5" creationId="{5BFCE082-EACE-D89D-6C72-80D0EE1EFE1F}"/>
+          </ac:spMkLst>
+        </pc:spChg>
+      </pc:sldChg>
+    </pc:docChg>
+  </pc:docChgLst>
+</pc:chgInfo>
 </file>
 
 <file path=ppt/diagrams/colors1.xml><?xml version="1.0" encoding="utf-8"?>
@@ -18318,7 +18355,7 @@
           <a:p>
             <a:fld id="{030B9438-0D7A-454F-95D5-B5DEE55815DA}" type="datetimeFigureOut">
               <a:rPr lang="en-US" smtClean="0"/>
-              <a:t>11/17/2022</a:t>
+              <a:t>7/17/2023</a:t>
             </a:fld>
             <a:endParaRPr lang="en-US"/>
           </a:p>
@@ -19087,7 +19124,7 @@
                 <a:tabLst/>
                 <a:defRPr/>
               </a:pPr>
-              <a:t>11/17/2022</a:t>
+              <a:t>7/17/2023</a:t>
             </a:fld>
             <a:endParaRPr kumimoji="0" lang="en-US" sz="1200" b="0" i="0" u="none" strike="noStrike" kern="0" cap="none" spc="0" normalizeH="0" baseline="0" noProof="0">
               <a:ln>
@@ -21108,174 +21145,6 @@
               <a:t>Integrating Amazon Lex with AWS Lambda</a:t>
             </a:r>
             <a:endParaRPr kumimoji="0" lang="en-US" sz="2400" b="0" i="0" u="none" strike="noStrike" kern="0" cap="none" spc="0" normalizeH="0" baseline="0" noProof="0" dirty="0">
-              <a:ln>
-                <a:noFill/>
-              </a:ln>
-              <a:solidFill>
-                <a:srgbClr val="5B9BD5">
-                  <a:lumMod val="75000"/>
-                </a:srgbClr>
-              </a:solidFill>
-              <a:effectLst/>
-              <a:uLnTx/>
-              <a:uFillTx/>
-              <a:latin typeface="Times New Roman" panose="02020603050405020304" pitchFamily="18" charset="0"/>
-              <a:ea typeface="Garamond"/>
-              <a:cs typeface="Times New Roman" panose="02020603050405020304" pitchFamily="18" charset="0"/>
-              <a:sym typeface="Garamond"/>
-            </a:endParaRPr>
-          </a:p>
-        </p:txBody>
-      </p:sp>
-      <p:sp>
-        <p:nvSpPr>
-          <p:cNvPr id="4" name="Google Shape;40;p1">
-            <a:extLst>
-              <a:ext uri="{FF2B5EF4-FFF2-40B4-BE49-F238E27FC236}">
-                <a16:creationId xmlns:a16="http://schemas.microsoft.com/office/drawing/2014/main" id="{92C8302A-679C-6DBB-2936-52DC098124B4}"/>
-              </a:ext>
-            </a:extLst>
-          </p:cNvPr>
-          <p:cNvSpPr txBox="1"/>
-          <p:nvPr/>
-        </p:nvSpPr>
-        <p:spPr>
-          <a:xfrm>
-            <a:off x="227670" y="5423633"/>
-            <a:ext cx="6876916" cy="432786"/>
-          </a:xfrm>
-          <a:prstGeom prst="rect">
-            <a:avLst/>
-          </a:prstGeom>
-          <a:noFill/>
-          <a:ln>
-            <a:noFill/>
-          </a:ln>
-        </p:spPr>
-        <p:txBody>
-          <a:bodyPr spcFirstLastPara="1" wrap="square" lIns="91425" tIns="45700" rIns="91425" bIns="45700" anchor="t" anchorCtr="0">
-            <a:noAutofit/>
-          </a:bodyPr>
-          <a:lstStyle/>
-          <a:p>
-            <a:pPr lvl="0">
-              <a:buClr>
-                <a:srgbClr val="000000"/>
-              </a:buClr>
-              <a:defRPr/>
-            </a:pPr>
-            <a:r>
-              <a:rPr lang="en-US" sz="2400" kern="0" dirty="0">
-                <a:solidFill>
-                  <a:srgbClr val="5B9BD5">
-                    <a:lumMod val="75000"/>
-                  </a:srgbClr>
-                </a:solidFill>
-                <a:latin typeface="Times New Roman" panose="02020603050405020304" pitchFamily="18" charset="0"/>
-                <a:ea typeface="Garamond"/>
-                <a:cs typeface="Times New Roman" panose="02020603050405020304" pitchFamily="18" charset="0"/>
-                <a:sym typeface="Garamond"/>
-              </a:rPr>
-              <a:t>Shahzaib Hamid</a:t>
-            </a:r>
-            <a:endParaRPr kumimoji="0" lang="en-US" sz="2400" b="0" i="0" u="none" strike="noStrike" kern="0" cap="none" spc="0" normalizeH="0" baseline="0" noProof="0" dirty="0">
-              <a:ln>
-                <a:noFill/>
-              </a:ln>
-              <a:solidFill>
-                <a:srgbClr val="5B9BD5">
-                  <a:lumMod val="75000"/>
-                </a:srgbClr>
-              </a:solidFill>
-              <a:effectLst/>
-              <a:uLnTx/>
-              <a:uFillTx/>
-              <a:latin typeface="Times New Roman" panose="02020603050405020304" pitchFamily="18" charset="0"/>
-              <a:ea typeface="Garamond"/>
-              <a:cs typeface="Times New Roman" panose="02020603050405020304" pitchFamily="18" charset="0"/>
-              <a:sym typeface="Garamond"/>
-            </a:endParaRPr>
-          </a:p>
-        </p:txBody>
-      </p:sp>
-      <p:sp>
-        <p:nvSpPr>
-          <p:cNvPr id="5" name="Google Shape;40;p1">
-            <a:extLst>
-              <a:ext uri="{FF2B5EF4-FFF2-40B4-BE49-F238E27FC236}">
-                <a16:creationId xmlns:a16="http://schemas.microsoft.com/office/drawing/2014/main" id="{5BFCE082-EACE-D89D-6C72-80D0EE1EFE1F}"/>
-              </a:ext>
-            </a:extLst>
-          </p:cNvPr>
-          <p:cNvSpPr txBox="1"/>
-          <p:nvPr/>
-        </p:nvSpPr>
-        <p:spPr>
-          <a:xfrm>
-            <a:off x="227670" y="5886585"/>
-            <a:ext cx="6876916" cy="432786"/>
-          </a:xfrm>
-          <a:prstGeom prst="rect">
-            <a:avLst/>
-          </a:prstGeom>
-          <a:noFill/>
-          <a:ln>
-            <a:noFill/>
-          </a:ln>
-        </p:spPr>
-        <p:txBody>
-          <a:bodyPr spcFirstLastPara="1" wrap="square" lIns="91425" tIns="45700" rIns="91425" bIns="45700" anchor="t" anchorCtr="0">
-            <a:noAutofit/>
-          </a:bodyPr>
-          <a:lstStyle/>
-          <a:p>
-            <a:pPr lvl="0">
-              <a:buClr>
-                <a:srgbClr val="000000"/>
-              </a:buClr>
-              <a:defRPr/>
-            </a:pPr>
-            <a:r>
-              <a:rPr kumimoji="0" lang="en-US" sz="1600" b="1" i="0" u="none" strike="noStrike" kern="0" cap="none" spc="0" normalizeH="0" baseline="0" noProof="0" dirty="0">
-                <a:ln>
-                  <a:noFill/>
-                </a:ln>
-                <a:solidFill>
-                  <a:srgbClr val="5B9BD5">
-                    <a:lumMod val="75000"/>
-                  </a:srgbClr>
-                </a:solidFill>
-                <a:effectLst/>
-                <a:uLnTx/>
-                <a:uFillTx/>
-                <a:latin typeface="Times New Roman" panose="02020603050405020304" pitchFamily="18" charset="0"/>
-                <a:ea typeface="Garamond"/>
-                <a:cs typeface="Times New Roman" panose="02020603050405020304" pitchFamily="18" charset="0"/>
-                <a:sym typeface="Garamond"/>
-              </a:rPr>
-              <a:t>AI</a:t>
-            </a:r>
-            <a:r>
-              <a:rPr kumimoji="0" lang="en-US" sz="1600" b="1" i="0" u="none" strike="noStrike" kern="0" cap="none" spc="0" normalizeH="0" noProof="0" dirty="0">
-                <a:ln>
-                  <a:noFill/>
-                </a:ln>
-                <a:solidFill>
-                  <a:srgbClr val="5B9BD5">
-                    <a:lumMod val="75000"/>
-                  </a:srgbClr>
-                </a:solidFill>
-                <a:effectLst/>
-                <a:uLnTx/>
-                <a:uFillTx/>
-                <a:latin typeface="Times New Roman" panose="02020603050405020304" pitchFamily="18" charset="0"/>
-                <a:ea typeface="Garamond"/>
-                <a:cs typeface="Times New Roman" panose="02020603050405020304" pitchFamily="18" charset="0"/>
-                <a:sym typeface="Garamond"/>
-              </a:rPr>
-              <a:t> Sciences Instructor</a:t>
-            </a:r>
-            <a:endParaRPr kumimoji="0" lang="en-US" sz="1600" b="1" i="0" u="none" strike="noStrike" kern="0" cap="none" spc="0" normalizeH="0" baseline="0" noProof="0" dirty="0">
               <a:ln>
                 <a:noFill/>
               </a:ln>
@@ -27461,8 +27330,8 @@
             </a:p>
           </p:txBody>
         </p:sp>
-        <mc:AlternateContent xmlns:mc="http://schemas.openxmlformats.org/markup-compatibility/2006">
-          <mc:Choice xmlns:p14="http://schemas.microsoft.com/office/powerpoint/2010/main" Requires="p14">
+        <mc:AlternateContent xmlns:mc="http://schemas.openxmlformats.org/markup-compatibility/2006" xmlns:p14="http://schemas.microsoft.com/office/powerpoint/2010/main">
+          <mc:Choice Requires="p14">
             <p:contentPart p14:bwMode="auto" r:id="rId3">
               <p14:nvContentPartPr>
                 <p14:cNvPr id="10" name="Ink 9">
@@ -27481,7 +27350,7 @@
               </p14:xfrm>
             </p:contentPart>
           </mc:Choice>
-          <mc:Fallback>
+          <mc:Fallback xmlns="">
             <p:pic>
               <p:nvPicPr>
                 <p:cNvPr id="10" name="Ink 9">
@@ -27513,8 +27382,8 @@
           </mc:Fallback>
         </mc:AlternateContent>
       </p:grpSp>
-      <mc:AlternateContent xmlns:mc="http://schemas.openxmlformats.org/markup-compatibility/2006">
-        <mc:Choice xmlns:p14="http://schemas.microsoft.com/office/powerpoint/2010/main" Requires="p14">
+      <mc:AlternateContent xmlns:mc="http://schemas.openxmlformats.org/markup-compatibility/2006" xmlns:p14="http://schemas.microsoft.com/office/powerpoint/2010/main">
+        <mc:Choice Requires="p14">
           <p:contentPart p14:bwMode="auto" r:id="rId5">
             <p14:nvContentPartPr>
               <p14:cNvPr id="12" name="Ink 11">
@@ -27533,7 +27402,7 @@
             </p14:xfrm>
           </p:contentPart>
         </mc:Choice>
-        <mc:Fallback>
+        <mc:Fallback xmlns="">
           <p:pic>
             <p:nvPicPr>
               <p:cNvPr id="12" name="Ink 11">
@@ -29483,8 +29352,8 @@
             </a:p>
           </p:txBody>
         </p:sp>
-        <mc:AlternateContent xmlns:mc="http://schemas.openxmlformats.org/markup-compatibility/2006">
-          <mc:Choice xmlns:p14="http://schemas.microsoft.com/office/powerpoint/2010/main" Requires="p14">
+        <mc:AlternateContent xmlns:mc="http://schemas.openxmlformats.org/markup-compatibility/2006" xmlns:p14="http://schemas.microsoft.com/office/powerpoint/2010/main">
+          <mc:Choice Requires="p14">
             <p:contentPart p14:bwMode="auto" r:id="rId3">
               <p14:nvContentPartPr>
                 <p14:cNvPr id="9" name="Ink 8">
@@ -29503,7 +29372,7 @@
               </p14:xfrm>
             </p:contentPart>
           </mc:Choice>
-          <mc:Fallback>
+          <mc:Fallback xmlns="">
             <p:pic>
               <p:nvPicPr>
                 <p:cNvPr id="9" name="Ink 8">
@@ -31200,8 +31069,8 @@
             </a:p>
           </p:txBody>
         </p:sp>
-        <mc:AlternateContent xmlns:mc="http://schemas.openxmlformats.org/markup-compatibility/2006">
-          <mc:Choice xmlns:p14="http://schemas.microsoft.com/office/powerpoint/2010/main" Requires="p14">
+        <mc:AlternateContent xmlns:mc="http://schemas.openxmlformats.org/markup-compatibility/2006" xmlns:p14="http://schemas.microsoft.com/office/powerpoint/2010/main">
+          <mc:Choice Requires="p14">
             <p:contentPart p14:bwMode="auto" r:id="rId3">
               <p14:nvContentPartPr>
                 <p14:cNvPr id="9" name="Ink 8">
@@ -31220,7 +31089,7 @@
               </p14:xfrm>
             </p:contentPart>
           </mc:Choice>
-          <mc:Fallback>
+          <mc:Fallback xmlns="">
             <p:pic>
               <p:nvPicPr>
                 <p:cNvPr id="9" name="Ink 8">
